--- a/Рабочее место библиотекаря/Презентация курсового проекта.pptx
+++ b/Рабочее место библиотекаря/Презентация курсового проекта.pptx
@@ -7,9 +7,13 @@
   <p:sldIdLst>
     <p:sldId id="256" r:id="rId2"/>
     <p:sldId id="257" r:id="rId3"/>
-    <p:sldId id="262" r:id="rId4"/>
-    <p:sldId id="264" r:id="rId5"/>
-    <p:sldId id="263" r:id="rId6"/>
+    <p:sldId id="265" r:id="rId4"/>
+    <p:sldId id="266" r:id="rId5"/>
+    <p:sldId id="268" r:id="rId6"/>
+    <p:sldId id="267" r:id="rId7"/>
+    <p:sldId id="262" r:id="rId8"/>
+    <p:sldId id="264" r:id="rId9"/>
+    <p:sldId id="263" r:id="rId10"/>
   </p:sldIdLst>
   <p:sldSz cx="12192000" cy="6858000"/>
   <p:notesSz cx="6858000" cy="9144000"/>
@@ -403,7 +407,7 @@
           <a:p>
             <a:fld id="{5388D2D4-2078-4930-904A-A9E2FF9598AE}" type="datetimeFigureOut">
               <a:rPr lang="ru-RU" smtClean="0"/>
-              <a:t>06.04.2022</a:t>
+              <a:t>09.04.2022</a:t>
             </a:fld>
             <a:endParaRPr lang="ru-RU"/>
           </a:p>
@@ -721,7 +725,7 @@
           <a:p>
             <a:fld id="{5388D2D4-2078-4930-904A-A9E2FF9598AE}" type="datetimeFigureOut">
               <a:rPr lang="ru-RU" smtClean="0"/>
-              <a:t>06.04.2022</a:t>
+              <a:t>09.04.2022</a:t>
             </a:fld>
             <a:endParaRPr lang="ru-RU"/>
           </a:p>
@@ -1209,7 +1213,7 @@
           <a:p>
             <a:fld id="{5388D2D4-2078-4930-904A-A9E2FF9598AE}" type="datetimeFigureOut">
               <a:rPr lang="ru-RU" smtClean="0"/>
-              <a:t>06.04.2022</a:t>
+              <a:t>09.04.2022</a:t>
             </a:fld>
             <a:endParaRPr lang="ru-RU"/>
           </a:p>
@@ -1578,7 +1582,7 @@
           <a:p>
             <a:fld id="{5388D2D4-2078-4930-904A-A9E2FF9598AE}" type="datetimeFigureOut">
               <a:rPr lang="ru-RU" smtClean="0"/>
-              <a:t>06.04.2022</a:t>
+              <a:t>09.04.2022</a:t>
             </a:fld>
             <a:endParaRPr lang="ru-RU"/>
           </a:p>
@@ -1851,7 +1855,7 @@
           <a:p>
             <a:fld id="{5388D2D4-2078-4930-904A-A9E2FF9598AE}" type="datetimeFigureOut">
               <a:rPr lang="ru-RU" smtClean="0"/>
-              <a:t>06.04.2022</a:t>
+              <a:t>09.04.2022</a:t>
             </a:fld>
             <a:endParaRPr lang="ru-RU"/>
           </a:p>
@@ -2136,7 +2140,7 @@
           <a:p>
             <a:fld id="{5388D2D4-2078-4930-904A-A9E2FF9598AE}" type="datetimeFigureOut">
               <a:rPr lang="ru-RU" smtClean="0"/>
-              <a:t>06.04.2022</a:t>
+              <a:t>09.04.2022</a:t>
             </a:fld>
             <a:endParaRPr lang="ru-RU"/>
           </a:p>
@@ -2419,7 +2423,7 @@
           <a:p>
             <a:fld id="{5388D2D4-2078-4930-904A-A9E2FF9598AE}" type="datetimeFigureOut">
               <a:rPr lang="ru-RU" smtClean="0"/>
-              <a:t>06.04.2022</a:t>
+              <a:t>09.04.2022</a:t>
             </a:fld>
             <a:endParaRPr lang="ru-RU"/>
           </a:p>
@@ -2762,7 +2766,7 @@
           <a:p>
             <a:fld id="{5388D2D4-2078-4930-904A-A9E2FF9598AE}" type="datetimeFigureOut">
               <a:rPr lang="ru-RU" smtClean="0"/>
-              <a:t>06.04.2022</a:t>
+              <a:t>09.04.2022</a:t>
             </a:fld>
             <a:endParaRPr lang="ru-RU"/>
           </a:p>
@@ -3101,7 +3105,7 @@
           <a:p>
             <a:fld id="{5388D2D4-2078-4930-904A-A9E2FF9598AE}" type="datetimeFigureOut">
               <a:rPr lang="ru-RU" smtClean="0"/>
-              <a:t>06.04.2022</a:t>
+              <a:t>09.04.2022</a:t>
             </a:fld>
             <a:endParaRPr lang="ru-RU"/>
           </a:p>
@@ -3578,7 +3582,7 @@
           <a:p>
             <a:fld id="{5388D2D4-2078-4930-904A-A9E2FF9598AE}" type="datetimeFigureOut">
               <a:rPr lang="ru-RU" smtClean="0"/>
-              <a:t>06.04.2022</a:t>
+              <a:t>09.04.2022</a:t>
             </a:fld>
             <a:endParaRPr lang="ru-RU"/>
           </a:p>
@@ -3799,7 +3803,7 @@
           <a:p>
             <a:fld id="{5388D2D4-2078-4930-904A-A9E2FF9598AE}" type="datetimeFigureOut">
               <a:rPr lang="ru-RU" smtClean="0"/>
-              <a:t>06.04.2022</a:t>
+              <a:t>09.04.2022</a:t>
             </a:fld>
             <a:endParaRPr lang="ru-RU"/>
           </a:p>
@@ -3894,7 +3898,7 @@
           <a:p>
             <a:fld id="{5388D2D4-2078-4930-904A-A9E2FF9598AE}" type="datetimeFigureOut">
               <a:rPr lang="ru-RU" smtClean="0"/>
-              <a:t>06.04.2022</a:t>
+              <a:t>09.04.2022</a:t>
             </a:fld>
             <a:endParaRPr lang="ru-RU"/>
           </a:p>
@@ -4361,7 +4365,7 @@
           <a:p>
             <a:fld id="{5388D2D4-2078-4930-904A-A9E2FF9598AE}" type="datetimeFigureOut">
               <a:rPr lang="ru-RU" smtClean="0"/>
-              <a:t>06.04.2022</a:t>
+              <a:t>09.04.2022</a:t>
             </a:fld>
             <a:endParaRPr lang="ru-RU"/>
           </a:p>
@@ -4674,7 +4678,7 @@
           <a:p>
             <a:fld id="{5388D2D4-2078-4930-904A-A9E2FF9598AE}" type="datetimeFigureOut">
               <a:rPr lang="ru-RU" smtClean="0"/>
-              <a:t>06.04.2022</a:t>
+              <a:t>09.04.2022</a:t>
             </a:fld>
             <a:endParaRPr lang="ru-RU"/>
           </a:p>
@@ -4944,7 +4948,7 @@
           <a:p>
             <a:fld id="{5388D2D4-2078-4930-904A-A9E2FF9598AE}" type="datetimeFigureOut">
               <a:rPr lang="ru-RU" smtClean="0"/>
-              <a:t>06.04.2022</a:t>
+              <a:t>09.04.2022</a:t>
             </a:fld>
             <a:endParaRPr lang="ru-RU"/>
           </a:p>
@@ -5430,7 +5434,7 @@
             <a:r>
               <a:rPr lang="ru-RU" sz="4400" dirty="0" smtClean="0">
                 <a:solidFill>
-                  <a:schemeClr val="bg1"/>
+                  <a:schemeClr val="tx1"/>
                 </a:solidFill>
               </a:rPr>
               <a:t>КУРСОВОЙ ПРОЕКТ</a:t>
@@ -5438,14 +5442,14 @@
             <a:br>
               <a:rPr lang="ru-RU" sz="4400" dirty="0" smtClean="0">
                 <a:solidFill>
-                  <a:schemeClr val="bg1"/>
+                  <a:schemeClr val="tx1"/>
                 </a:solidFill>
               </a:rPr>
             </a:br>
             <a:r>
               <a:rPr lang="ru-RU" sz="4400" dirty="0" smtClean="0">
                 <a:solidFill>
-                  <a:schemeClr val="bg1"/>
+                  <a:schemeClr val="tx1"/>
                 </a:solidFill>
               </a:rPr>
               <a:t>По МДК.02.02 «</a:t>
@@ -5453,7 +5457,7 @@
             <a:r>
               <a:rPr lang="ru-RU" sz="4400" dirty="0">
                 <a:solidFill>
-                  <a:schemeClr val="bg1"/>
+                  <a:schemeClr val="tx1"/>
                 </a:solidFill>
               </a:rPr>
               <a:t>Технологии разработки и защиты баз данных</a:t>
@@ -5461,7 +5465,7 @@
             <a:r>
               <a:rPr lang="ru-RU" sz="4400" dirty="0" smtClean="0">
                 <a:solidFill>
-                  <a:schemeClr val="bg1"/>
+                  <a:schemeClr val="tx1"/>
                 </a:solidFill>
               </a:rPr>
               <a:t>»</a:t>
@@ -5469,14 +5473,14 @@
             <a:br>
               <a:rPr lang="ru-RU" sz="4400" dirty="0" smtClean="0">
                 <a:solidFill>
-                  <a:schemeClr val="bg1"/>
+                  <a:schemeClr val="tx1"/>
                 </a:solidFill>
               </a:rPr>
             </a:br>
             <a:r>
               <a:rPr lang="ru-RU" sz="4400" dirty="0" smtClean="0">
                 <a:solidFill>
-                  <a:schemeClr val="bg1"/>
+                  <a:schemeClr val="tx1"/>
                 </a:solidFill>
               </a:rPr>
               <a:t>Тема: «</a:t>
@@ -5484,7 +5488,7 @@
             <a:r>
               <a:rPr lang="ru-RU" sz="4400" dirty="0">
                 <a:solidFill>
-                  <a:schemeClr val="bg1"/>
+                  <a:schemeClr val="tx1"/>
                 </a:solidFill>
               </a:rPr>
               <a:t>Разработка приложения «Автоматизация планирования автоперевозок транспортной компании» на </a:t>
@@ -5492,7 +5496,7 @@
             <a:r>
               <a:rPr lang="en-US" sz="4400" dirty="0">
                 <a:solidFill>
-                  <a:schemeClr val="bg1"/>
+                  <a:schemeClr val="tx1"/>
                 </a:solidFill>
               </a:rPr>
               <a:t>Python</a:t>
@@ -5500,14 +5504,14 @@
             <a:r>
               <a:rPr lang="ru-RU" sz="4400" dirty="0" smtClean="0">
                 <a:solidFill>
-                  <a:schemeClr val="bg1"/>
+                  <a:schemeClr val="tx1"/>
                 </a:solidFill>
               </a:rPr>
               <a:t>»»</a:t>
             </a:r>
             <a:endParaRPr lang="ru-RU" sz="4400" dirty="0">
               <a:solidFill>
-                <a:schemeClr val="bg1"/>
+                <a:schemeClr val="tx1"/>
               </a:solidFill>
             </a:endParaRPr>
           </a:p>
@@ -5582,11 +5586,6 @@
               </a:rPr>
               <a:t>Зайцев Никита Евгеньевич</a:t>
             </a:r>
-            <a:endParaRPr lang="ru-RU" dirty="0" smtClean="0">
-              <a:solidFill>
-                <a:schemeClr val="bg1"/>
-              </a:solidFill>
-            </a:endParaRPr>
           </a:p>
         </p:txBody>
       </p:sp>
@@ -5899,6 +5898,389 @@
                   <a:schemeClr val="tx1"/>
                 </a:solidFill>
               </a:rPr>
+              <a:t>Диаграмма прецедентов</a:t>
+            </a:r>
+            <a:endParaRPr lang="ru-RU" dirty="0">
+              <a:solidFill>
+                <a:schemeClr val="tx1"/>
+              </a:solidFill>
+            </a:endParaRPr>
+          </a:p>
+        </p:txBody>
+      </p:sp>
+      <p:pic>
+        <p:nvPicPr>
+          <p:cNvPr id="5" name="Рисунок 4"/>
+          <p:cNvPicPr>
+            <a:picLocks noChangeAspect="1"/>
+          </p:cNvPicPr>
+          <p:nvPr/>
+        </p:nvPicPr>
+        <p:blipFill>
+          <a:blip r:embed="rId2">
+            <a:extLst>
+              <a:ext uri="{28A0092B-C50C-407E-A947-70E740481C1C}">
+                <a14:useLocalDpi xmlns:a14="http://schemas.microsoft.com/office/drawing/2010/main" val="0"/>
+              </a:ext>
+            </a:extLst>
+          </a:blip>
+          <a:stretch>
+            <a:fillRect/>
+          </a:stretch>
+        </p:blipFill>
+        <p:spPr>
+          <a:xfrm>
+            <a:off x="2623146" y="2442492"/>
+            <a:ext cx="6945705" cy="4015881"/>
+          </a:xfrm>
+          <a:prstGeom prst="rect">
+            <a:avLst/>
+          </a:prstGeom>
+        </p:spPr>
+      </p:pic>
+    </p:spTree>
+    <p:extLst>
+      <p:ext uri="{BB962C8B-B14F-4D97-AF65-F5344CB8AC3E}">
+        <p14:creationId xmlns:p14="http://schemas.microsoft.com/office/powerpoint/2010/main" val="3952395220"/>
+      </p:ext>
+    </p:extLst>
+  </p:cSld>
+  <p:clrMapOvr>
+    <a:masterClrMapping/>
+  </p:clrMapOvr>
+</p:sld>
+</file>
+
+<file path=ppt/slides/slide4.xml><?xml version="1.0" encoding="utf-8"?>
+<p:sld xmlns:a="http://schemas.openxmlformats.org/drawingml/2006/main" xmlns:r="http://schemas.openxmlformats.org/officeDocument/2006/relationships" xmlns:p="http://schemas.openxmlformats.org/presentationml/2006/main">
+  <p:cSld>
+    <p:spTree>
+      <p:nvGrpSpPr>
+        <p:cNvPr id="1" name=""/>
+        <p:cNvGrpSpPr/>
+        <p:nvPr/>
+      </p:nvGrpSpPr>
+      <p:grpSpPr>
+        <a:xfrm>
+          <a:off x="0" y="0"/>
+          <a:ext cx="0" cy="0"/>
+          <a:chOff x="0" y="0"/>
+          <a:chExt cx="0" cy="0"/>
+        </a:xfrm>
+      </p:grpSpPr>
+      <p:sp>
+        <p:nvSpPr>
+          <p:cNvPr id="2" name="Заголовок 1"/>
+          <p:cNvSpPr>
+            <a:spLocks noGrp="1"/>
+          </p:cNvSpPr>
+          <p:nvPr>
+            <p:ph type="title"/>
+          </p:nvPr>
+        </p:nvSpPr>
+        <p:spPr>
+          <a:xfrm>
+            <a:off x="838199" y="112576"/>
+            <a:ext cx="10515600" cy="1103457"/>
+          </a:xfrm>
+        </p:spPr>
+        <p:txBody>
+          <a:bodyPr/>
+          <a:lstStyle/>
+          <a:p>
+            <a:pPr algn="ctr"/>
+            <a:r>
+              <a:rPr lang="ru-RU" dirty="0" smtClean="0">
+                <a:solidFill>
+                  <a:schemeClr val="tx1"/>
+                </a:solidFill>
+              </a:rPr>
+              <a:t>Диаграмма прецедентов</a:t>
+            </a:r>
+            <a:endParaRPr lang="ru-RU" dirty="0">
+              <a:solidFill>
+                <a:schemeClr val="tx1"/>
+              </a:solidFill>
+            </a:endParaRPr>
+          </a:p>
+        </p:txBody>
+      </p:sp>
+      <p:pic>
+        <p:nvPicPr>
+          <p:cNvPr id="4" name="Рисунок 3"/>
+          <p:cNvPicPr>
+            <a:picLocks noChangeAspect="1"/>
+          </p:cNvPicPr>
+          <p:nvPr/>
+        </p:nvPicPr>
+        <p:blipFill>
+          <a:blip r:embed="rId2">
+            <a:extLst>
+              <a:ext uri="{28A0092B-C50C-407E-A947-70E740481C1C}">
+                <a14:useLocalDpi xmlns:a14="http://schemas.microsoft.com/office/drawing/2010/main" val="0"/>
+              </a:ext>
+            </a:extLst>
+          </a:blip>
+          <a:stretch>
+            <a:fillRect/>
+          </a:stretch>
+        </p:blipFill>
+        <p:spPr>
+          <a:xfrm>
+            <a:off x="1799700" y="2800420"/>
+            <a:ext cx="8592598" cy="3473254"/>
+          </a:xfrm>
+          <a:prstGeom prst="rect">
+            <a:avLst/>
+          </a:prstGeom>
+        </p:spPr>
+      </p:pic>
+    </p:spTree>
+    <p:extLst>
+      <p:ext uri="{BB962C8B-B14F-4D97-AF65-F5344CB8AC3E}">
+        <p14:creationId xmlns:p14="http://schemas.microsoft.com/office/powerpoint/2010/main" val="2004524150"/>
+      </p:ext>
+    </p:extLst>
+  </p:cSld>
+  <p:clrMapOvr>
+    <a:masterClrMapping/>
+  </p:clrMapOvr>
+</p:sld>
+</file>
+
+<file path=ppt/slides/slide5.xml><?xml version="1.0" encoding="utf-8"?>
+<p:sld xmlns:a="http://schemas.openxmlformats.org/drawingml/2006/main" xmlns:r="http://schemas.openxmlformats.org/officeDocument/2006/relationships" xmlns:p="http://schemas.openxmlformats.org/presentationml/2006/main">
+  <p:cSld>
+    <p:spTree>
+      <p:nvGrpSpPr>
+        <p:cNvPr id="1" name=""/>
+        <p:cNvGrpSpPr/>
+        <p:nvPr/>
+      </p:nvGrpSpPr>
+      <p:grpSpPr>
+        <a:xfrm>
+          <a:off x="0" y="0"/>
+          <a:ext cx="0" cy="0"/>
+          <a:chOff x="0" y="0"/>
+          <a:chExt cx="0" cy="0"/>
+        </a:xfrm>
+      </p:grpSpPr>
+      <p:sp>
+        <p:nvSpPr>
+          <p:cNvPr id="2" name="Заголовок 1"/>
+          <p:cNvSpPr>
+            <a:spLocks noGrp="1"/>
+          </p:cNvSpPr>
+          <p:nvPr>
+            <p:ph type="title"/>
+          </p:nvPr>
+        </p:nvSpPr>
+        <p:spPr>
+          <a:xfrm>
+            <a:off x="838199" y="112576"/>
+            <a:ext cx="10515600" cy="1103457"/>
+          </a:xfrm>
+        </p:spPr>
+        <p:txBody>
+          <a:bodyPr/>
+          <a:lstStyle/>
+          <a:p>
+            <a:pPr algn="ctr"/>
+            <a:r>
+              <a:rPr lang="ru-RU" dirty="0" smtClean="0">
+                <a:solidFill>
+                  <a:schemeClr val="tx1"/>
+                </a:solidFill>
+              </a:rPr>
+              <a:t>Схема приложения</a:t>
+            </a:r>
+            <a:endParaRPr lang="ru-RU" dirty="0">
+              <a:solidFill>
+                <a:schemeClr val="tx1"/>
+              </a:solidFill>
+            </a:endParaRPr>
+          </a:p>
+        </p:txBody>
+      </p:sp>
+      <p:pic>
+        <p:nvPicPr>
+          <p:cNvPr id="3" name="Рисунок 2"/>
+          <p:cNvPicPr>
+            <a:picLocks noChangeAspect="1"/>
+          </p:cNvPicPr>
+          <p:nvPr/>
+        </p:nvPicPr>
+        <p:blipFill>
+          <a:blip r:embed="rId2">
+            <a:extLst>
+              <a:ext uri="{28A0092B-C50C-407E-A947-70E740481C1C}">
+                <a14:useLocalDpi xmlns:a14="http://schemas.microsoft.com/office/drawing/2010/main" val="0"/>
+              </a:ext>
+            </a:extLst>
+          </a:blip>
+          <a:stretch>
+            <a:fillRect/>
+          </a:stretch>
+        </p:blipFill>
+        <p:spPr>
+          <a:xfrm>
+            <a:off x="4513013" y="2054229"/>
+            <a:ext cx="2875829" cy="4539884"/>
+          </a:xfrm>
+          <a:prstGeom prst="rect">
+            <a:avLst/>
+          </a:prstGeom>
+        </p:spPr>
+      </p:pic>
+    </p:spTree>
+    <p:extLst>
+      <p:ext uri="{BB962C8B-B14F-4D97-AF65-F5344CB8AC3E}">
+        <p14:creationId xmlns:p14="http://schemas.microsoft.com/office/powerpoint/2010/main" val="2307251726"/>
+      </p:ext>
+    </p:extLst>
+  </p:cSld>
+  <p:clrMapOvr>
+    <a:masterClrMapping/>
+  </p:clrMapOvr>
+</p:sld>
+</file>
+
+<file path=ppt/slides/slide6.xml><?xml version="1.0" encoding="utf-8"?>
+<p:sld xmlns:a="http://schemas.openxmlformats.org/drawingml/2006/main" xmlns:r="http://schemas.openxmlformats.org/officeDocument/2006/relationships" xmlns:p="http://schemas.openxmlformats.org/presentationml/2006/main">
+  <p:cSld>
+    <p:spTree>
+      <p:nvGrpSpPr>
+        <p:cNvPr id="1" name=""/>
+        <p:cNvGrpSpPr/>
+        <p:nvPr/>
+      </p:nvGrpSpPr>
+      <p:grpSpPr>
+        <a:xfrm>
+          <a:off x="0" y="0"/>
+          <a:ext cx="0" cy="0"/>
+          <a:chOff x="0" y="0"/>
+          <a:chExt cx="0" cy="0"/>
+        </a:xfrm>
+      </p:grpSpPr>
+      <p:sp>
+        <p:nvSpPr>
+          <p:cNvPr id="2" name="Заголовок 1"/>
+          <p:cNvSpPr>
+            <a:spLocks noGrp="1"/>
+          </p:cNvSpPr>
+          <p:nvPr>
+            <p:ph type="title"/>
+          </p:nvPr>
+        </p:nvSpPr>
+        <p:spPr>
+          <a:xfrm>
+            <a:off x="838199" y="112576"/>
+            <a:ext cx="10515600" cy="1103457"/>
+          </a:xfrm>
+        </p:spPr>
+        <p:txBody>
+          <a:bodyPr/>
+          <a:lstStyle/>
+          <a:p>
+            <a:pPr algn="ctr"/>
+            <a:r>
+              <a:rPr lang="ru-RU" dirty="0">
+                <a:solidFill>
+                  <a:schemeClr val="tx1"/>
+                </a:solidFill>
+              </a:rPr>
+              <a:t>Сценарий использования</a:t>
+            </a:r>
+          </a:p>
+        </p:txBody>
+      </p:sp>
+      <p:pic>
+        <p:nvPicPr>
+          <p:cNvPr id="3" name="Рисунок 2"/>
+          <p:cNvPicPr>
+            <a:picLocks noChangeAspect="1"/>
+          </p:cNvPicPr>
+          <p:nvPr/>
+        </p:nvPicPr>
+        <p:blipFill>
+          <a:blip r:embed="rId2">
+            <a:extLst>
+              <a:ext uri="{28A0092B-C50C-407E-A947-70E740481C1C}">
+                <a14:useLocalDpi xmlns:a14="http://schemas.microsoft.com/office/drawing/2010/main" val="0"/>
+              </a:ext>
+            </a:extLst>
+          </a:blip>
+          <a:stretch>
+            <a:fillRect/>
+          </a:stretch>
+        </p:blipFill>
+        <p:spPr>
+          <a:xfrm>
+            <a:off x="3177381" y="2406941"/>
+            <a:ext cx="5402024" cy="4144212"/>
+          </a:xfrm>
+          <a:prstGeom prst="rect">
+            <a:avLst/>
+          </a:prstGeom>
+        </p:spPr>
+      </p:pic>
+    </p:spTree>
+    <p:extLst>
+      <p:ext uri="{BB962C8B-B14F-4D97-AF65-F5344CB8AC3E}">
+        <p14:creationId xmlns:p14="http://schemas.microsoft.com/office/powerpoint/2010/main" val="1611957298"/>
+      </p:ext>
+    </p:extLst>
+  </p:cSld>
+  <p:clrMapOvr>
+    <a:masterClrMapping/>
+  </p:clrMapOvr>
+</p:sld>
+</file>
+
+<file path=ppt/slides/slide7.xml><?xml version="1.0" encoding="utf-8"?>
+<p:sld xmlns:a="http://schemas.openxmlformats.org/drawingml/2006/main" xmlns:r="http://schemas.openxmlformats.org/officeDocument/2006/relationships" xmlns:p="http://schemas.openxmlformats.org/presentationml/2006/main">
+  <p:cSld>
+    <p:spTree>
+      <p:nvGrpSpPr>
+        <p:cNvPr id="1" name=""/>
+        <p:cNvGrpSpPr/>
+        <p:nvPr/>
+      </p:nvGrpSpPr>
+      <p:grpSpPr>
+        <a:xfrm>
+          <a:off x="0" y="0"/>
+          <a:ext cx="0" cy="0"/>
+          <a:chOff x="0" y="0"/>
+          <a:chExt cx="0" cy="0"/>
+        </a:xfrm>
+      </p:grpSpPr>
+      <p:sp>
+        <p:nvSpPr>
+          <p:cNvPr id="2" name="Заголовок 1"/>
+          <p:cNvSpPr>
+            <a:spLocks noGrp="1"/>
+          </p:cNvSpPr>
+          <p:nvPr>
+            <p:ph type="title"/>
+          </p:nvPr>
+        </p:nvSpPr>
+        <p:spPr>
+          <a:xfrm>
+            <a:off x="838199" y="112576"/>
+            <a:ext cx="10515600" cy="1103457"/>
+          </a:xfrm>
+        </p:spPr>
+        <p:txBody>
+          <a:bodyPr/>
+          <a:lstStyle/>
+          <a:p>
+            <a:pPr algn="ctr"/>
+            <a:r>
+              <a:rPr lang="ru-RU" dirty="0" smtClean="0">
+                <a:solidFill>
+                  <a:schemeClr val="tx1"/>
+                </a:solidFill>
+              </a:rPr>
               <a:t>Окно программы</a:t>
             </a:r>
             <a:endParaRPr lang="ru-RU" dirty="0">
@@ -5952,7 +6334,7 @@
 </p:sld>
 </file>
 
-<file path=ppt/slides/slide4.xml><?xml version="1.0" encoding="utf-8"?>
+<file path=ppt/slides/slide8.xml><?xml version="1.0" encoding="utf-8"?>
 <p:sld xmlns:a="http://schemas.openxmlformats.org/drawingml/2006/main" xmlns:r="http://schemas.openxmlformats.org/officeDocument/2006/relationships" xmlns:p="http://schemas.openxmlformats.org/presentationml/2006/main">
   <p:cSld>
     <p:spTree>
@@ -6054,7 +6436,7 @@
 </p:sld>
 </file>
 
-<file path=ppt/slides/slide5.xml><?xml version="1.0" encoding="utf-8"?>
+<file path=ppt/slides/slide9.xml><?xml version="1.0" encoding="utf-8"?>
 <p:sld xmlns:a="http://schemas.openxmlformats.org/drawingml/2006/main" xmlns:r="http://schemas.openxmlformats.org/officeDocument/2006/relationships" xmlns:p="http://schemas.openxmlformats.org/presentationml/2006/main">
   <p:cSld>
     <p:bg>
